--- a/ppt 16-9/1339.万军之耶和华.pptx
+++ b/ppt 16-9/1339.万军之耶和华.pptx
@@ -129,7 +129,7 @@
           <p:cNvPr id="2" name="标题 1">
             <a:extLst>
               <a:ext uri="{FF2B5EF4-FFF2-40B4-BE49-F238E27FC236}">
-                <a16:creationId xmlns:a16="http://schemas.microsoft.com/office/drawing/2014/main" id="{CEEE1463-E46C-1897-0809-3713000CFA69}"/>
+                <a16:creationId xmlns:a16="http://schemas.microsoft.com/office/drawing/2014/main" id="{3B100FB1-B63D-5163-B0B0-E711D6CFF8C4}"/>
               </a:ext>
             </a:extLst>
           </p:cNvPr>
@@ -166,7 +166,7 @@
           <p:cNvPr id="3" name="副标题 2">
             <a:extLst>
               <a:ext uri="{FF2B5EF4-FFF2-40B4-BE49-F238E27FC236}">
-                <a16:creationId xmlns:a16="http://schemas.microsoft.com/office/drawing/2014/main" id="{DD75B8D9-24E0-041A-A609-12D29406FA4A}"/>
+                <a16:creationId xmlns:a16="http://schemas.microsoft.com/office/drawing/2014/main" id="{7A78F3B0-C452-4D3C-3CEF-F02ECDBED204}"/>
               </a:ext>
             </a:extLst>
           </p:cNvPr>
@@ -236,7 +236,7 @@
           <p:cNvPr id="4" name="日期占位符 3">
             <a:extLst>
               <a:ext uri="{FF2B5EF4-FFF2-40B4-BE49-F238E27FC236}">
-                <a16:creationId xmlns:a16="http://schemas.microsoft.com/office/drawing/2014/main" id="{EF609307-5444-1E98-3A38-62032B8490E3}"/>
+                <a16:creationId xmlns:a16="http://schemas.microsoft.com/office/drawing/2014/main" id="{9D45A02D-D175-EAF1-3021-84ED59C1C27D}"/>
               </a:ext>
             </a:extLst>
           </p:cNvPr>
@@ -252,7 +252,7 @@
           <a:bodyPr/>
           <a:lstStyle/>
           <a:p>
-            <a:fld id="{E5625592-89BB-45F9-A353-19B7481D4320}" type="datetimeFigureOut">
+            <a:fld id="{A30D8157-CBE8-4140-8EDB-17D187974B4F}" type="datetimeFigureOut">
               <a:rPr lang="zh-CN" altLang="en-US" smtClean="0"/>
               <a:t>2024/3/10</a:t>
             </a:fld>
@@ -265,7 +265,7 @@
           <p:cNvPr id="5" name="页脚占位符 4">
             <a:extLst>
               <a:ext uri="{FF2B5EF4-FFF2-40B4-BE49-F238E27FC236}">
-                <a16:creationId xmlns:a16="http://schemas.microsoft.com/office/drawing/2014/main" id="{29EDE509-6B87-8E5A-771D-68382375E12B}"/>
+                <a16:creationId xmlns:a16="http://schemas.microsoft.com/office/drawing/2014/main" id="{BBD1932C-E0D5-6819-B977-A5FF5372CE4B}"/>
               </a:ext>
             </a:extLst>
           </p:cNvPr>
@@ -290,7 +290,7 @@
           <p:cNvPr id="6" name="灯片编号占位符 5">
             <a:extLst>
               <a:ext uri="{FF2B5EF4-FFF2-40B4-BE49-F238E27FC236}">
-                <a16:creationId xmlns:a16="http://schemas.microsoft.com/office/drawing/2014/main" id="{7D476C55-C4FF-D769-31A9-12B469076B7B}"/>
+                <a16:creationId xmlns:a16="http://schemas.microsoft.com/office/drawing/2014/main" id="{554ACE60-B27B-CEB8-F2AB-680F1A64F116}"/>
               </a:ext>
             </a:extLst>
           </p:cNvPr>
@@ -306,7 +306,7 @@
           <a:bodyPr/>
           <a:lstStyle/>
           <a:p>
-            <a:fld id="{881202FE-6186-4D4D-B8CA-C936978719C4}" type="slidenum">
+            <a:fld id="{0BB61656-8BB2-4934-972A-DD1195AE2C67}" type="slidenum">
               <a:rPr lang="zh-CN" altLang="en-US" smtClean="0"/>
               <a:t>‹#›</a:t>
             </a:fld>
@@ -317,7 +317,7 @@
     </p:spTree>
     <p:extLst>
       <p:ext uri="{BB962C8B-B14F-4D97-AF65-F5344CB8AC3E}">
-        <p14:creationId xmlns:p14="http://schemas.microsoft.com/office/powerpoint/2010/main" val="1562484923"/>
+        <p14:creationId xmlns:p14="http://schemas.microsoft.com/office/powerpoint/2010/main" val="2248108684"/>
       </p:ext>
     </p:extLst>
   </p:cSld>
@@ -349,7 +349,7 @@
           <p:cNvPr id="2" name="标题 1">
             <a:extLst>
               <a:ext uri="{FF2B5EF4-FFF2-40B4-BE49-F238E27FC236}">
-                <a16:creationId xmlns:a16="http://schemas.microsoft.com/office/drawing/2014/main" id="{722F7719-0C33-762F-F635-B4A5F133F317}"/>
+                <a16:creationId xmlns:a16="http://schemas.microsoft.com/office/drawing/2014/main" id="{E806BAE5-6395-D0C7-537C-E53550DEC869}"/>
               </a:ext>
             </a:extLst>
           </p:cNvPr>
@@ -377,7 +377,7 @@
           <p:cNvPr id="3" name="竖排文字占位符 2">
             <a:extLst>
               <a:ext uri="{FF2B5EF4-FFF2-40B4-BE49-F238E27FC236}">
-                <a16:creationId xmlns:a16="http://schemas.microsoft.com/office/drawing/2014/main" id="{FEEC7182-25AB-003E-70FE-CC2D2D96914B}"/>
+                <a16:creationId xmlns:a16="http://schemas.microsoft.com/office/drawing/2014/main" id="{5193A65D-610B-C95F-1045-CDEEAC777013}"/>
               </a:ext>
             </a:extLst>
           </p:cNvPr>
@@ -434,7 +434,7 @@
           <p:cNvPr id="4" name="日期占位符 3">
             <a:extLst>
               <a:ext uri="{FF2B5EF4-FFF2-40B4-BE49-F238E27FC236}">
-                <a16:creationId xmlns:a16="http://schemas.microsoft.com/office/drawing/2014/main" id="{1F619F03-D361-606A-4AF2-A9AB2A422670}"/>
+                <a16:creationId xmlns:a16="http://schemas.microsoft.com/office/drawing/2014/main" id="{045C7BAF-BE5E-29AC-1155-74D45B3090D1}"/>
               </a:ext>
             </a:extLst>
           </p:cNvPr>
@@ -450,7 +450,7 @@
           <a:bodyPr/>
           <a:lstStyle/>
           <a:p>
-            <a:fld id="{E5625592-89BB-45F9-A353-19B7481D4320}" type="datetimeFigureOut">
+            <a:fld id="{A30D8157-CBE8-4140-8EDB-17D187974B4F}" type="datetimeFigureOut">
               <a:rPr lang="zh-CN" altLang="en-US" smtClean="0"/>
               <a:t>2024/3/10</a:t>
             </a:fld>
@@ -463,7 +463,7 @@
           <p:cNvPr id="5" name="页脚占位符 4">
             <a:extLst>
               <a:ext uri="{FF2B5EF4-FFF2-40B4-BE49-F238E27FC236}">
-                <a16:creationId xmlns:a16="http://schemas.microsoft.com/office/drawing/2014/main" id="{66B72817-9EB2-B7A2-EC24-E0EE871CA060}"/>
+                <a16:creationId xmlns:a16="http://schemas.microsoft.com/office/drawing/2014/main" id="{0FB44575-D928-B573-EE86-6C1550084130}"/>
               </a:ext>
             </a:extLst>
           </p:cNvPr>
@@ -488,7 +488,7 @@
           <p:cNvPr id="6" name="灯片编号占位符 5">
             <a:extLst>
               <a:ext uri="{FF2B5EF4-FFF2-40B4-BE49-F238E27FC236}">
-                <a16:creationId xmlns:a16="http://schemas.microsoft.com/office/drawing/2014/main" id="{35D5C9BB-AC80-285A-1159-2CAD7D1D2FEA}"/>
+                <a16:creationId xmlns:a16="http://schemas.microsoft.com/office/drawing/2014/main" id="{6237B780-77BF-F2A2-9DB2-BB260ACE490E}"/>
               </a:ext>
             </a:extLst>
           </p:cNvPr>
@@ -504,7 +504,7 @@
           <a:bodyPr/>
           <a:lstStyle/>
           <a:p>
-            <a:fld id="{881202FE-6186-4D4D-B8CA-C936978719C4}" type="slidenum">
+            <a:fld id="{0BB61656-8BB2-4934-972A-DD1195AE2C67}" type="slidenum">
               <a:rPr lang="zh-CN" altLang="en-US" smtClean="0"/>
               <a:t>‹#›</a:t>
             </a:fld>
@@ -515,7 +515,7 @@
     </p:spTree>
     <p:extLst>
       <p:ext uri="{BB962C8B-B14F-4D97-AF65-F5344CB8AC3E}">
-        <p14:creationId xmlns:p14="http://schemas.microsoft.com/office/powerpoint/2010/main" val="1133407924"/>
+        <p14:creationId xmlns:p14="http://schemas.microsoft.com/office/powerpoint/2010/main" val="1021177901"/>
       </p:ext>
     </p:extLst>
   </p:cSld>
@@ -547,7 +547,7 @@
           <p:cNvPr id="2" name="竖排标题 1">
             <a:extLst>
               <a:ext uri="{FF2B5EF4-FFF2-40B4-BE49-F238E27FC236}">
-                <a16:creationId xmlns:a16="http://schemas.microsoft.com/office/drawing/2014/main" id="{75A0EC09-FC56-6CCD-FADD-3087DD61EACC}"/>
+                <a16:creationId xmlns:a16="http://schemas.microsoft.com/office/drawing/2014/main" id="{62EE361F-C94C-E9DE-3411-91E8F900A3EC}"/>
               </a:ext>
             </a:extLst>
           </p:cNvPr>
@@ -580,7 +580,7 @@
           <p:cNvPr id="3" name="竖排文字占位符 2">
             <a:extLst>
               <a:ext uri="{FF2B5EF4-FFF2-40B4-BE49-F238E27FC236}">
-                <a16:creationId xmlns:a16="http://schemas.microsoft.com/office/drawing/2014/main" id="{6CFCB142-D16A-2BB9-50F0-EF6584839D30}"/>
+                <a16:creationId xmlns:a16="http://schemas.microsoft.com/office/drawing/2014/main" id="{636AB925-1A3B-8E32-EE49-77B979F9A79A}"/>
               </a:ext>
             </a:extLst>
           </p:cNvPr>
@@ -642,7 +642,7 @@
           <p:cNvPr id="4" name="日期占位符 3">
             <a:extLst>
               <a:ext uri="{FF2B5EF4-FFF2-40B4-BE49-F238E27FC236}">
-                <a16:creationId xmlns:a16="http://schemas.microsoft.com/office/drawing/2014/main" id="{2E36C56C-0CD2-CA15-4E34-7CA173798262}"/>
+                <a16:creationId xmlns:a16="http://schemas.microsoft.com/office/drawing/2014/main" id="{B5E586A3-026A-D0B8-2DA8-94AF1529B631}"/>
               </a:ext>
             </a:extLst>
           </p:cNvPr>
@@ -658,7 +658,7 @@
           <a:bodyPr/>
           <a:lstStyle/>
           <a:p>
-            <a:fld id="{E5625592-89BB-45F9-A353-19B7481D4320}" type="datetimeFigureOut">
+            <a:fld id="{A30D8157-CBE8-4140-8EDB-17D187974B4F}" type="datetimeFigureOut">
               <a:rPr lang="zh-CN" altLang="en-US" smtClean="0"/>
               <a:t>2024/3/10</a:t>
             </a:fld>
@@ -671,7 +671,7 @@
           <p:cNvPr id="5" name="页脚占位符 4">
             <a:extLst>
               <a:ext uri="{FF2B5EF4-FFF2-40B4-BE49-F238E27FC236}">
-                <a16:creationId xmlns:a16="http://schemas.microsoft.com/office/drawing/2014/main" id="{5E14AEE1-5AD4-8DD8-02D4-B1758BF329CE}"/>
+                <a16:creationId xmlns:a16="http://schemas.microsoft.com/office/drawing/2014/main" id="{6A4C96BB-4965-21E0-8811-B8B2ED6128AF}"/>
               </a:ext>
             </a:extLst>
           </p:cNvPr>
@@ -696,7 +696,7 @@
           <p:cNvPr id="6" name="灯片编号占位符 5">
             <a:extLst>
               <a:ext uri="{FF2B5EF4-FFF2-40B4-BE49-F238E27FC236}">
-                <a16:creationId xmlns:a16="http://schemas.microsoft.com/office/drawing/2014/main" id="{AE49FB81-8711-119F-EFD6-781AEF703579}"/>
+                <a16:creationId xmlns:a16="http://schemas.microsoft.com/office/drawing/2014/main" id="{918ED1EB-52AE-6823-FED7-523E47EE5C73}"/>
               </a:ext>
             </a:extLst>
           </p:cNvPr>
@@ -712,7 +712,7 @@
           <a:bodyPr/>
           <a:lstStyle/>
           <a:p>
-            <a:fld id="{881202FE-6186-4D4D-B8CA-C936978719C4}" type="slidenum">
+            <a:fld id="{0BB61656-8BB2-4934-972A-DD1195AE2C67}" type="slidenum">
               <a:rPr lang="zh-CN" altLang="en-US" smtClean="0"/>
               <a:t>‹#›</a:t>
             </a:fld>
@@ -723,7 +723,7 @@
     </p:spTree>
     <p:extLst>
       <p:ext uri="{BB962C8B-B14F-4D97-AF65-F5344CB8AC3E}">
-        <p14:creationId xmlns:p14="http://schemas.microsoft.com/office/powerpoint/2010/main" val="1415963945"/>
+        <p14:creationId xmlns:p14="http://schemas.microsoft.com/office/powerpoint/2010/main" val="432300760"/>
       </p:ext>
     </p:extLst>
   </p:cSld>
@@ -755,7 +755,7 @@
           <p:cNvPr id="2" name="标题 1">
             <a:extLst>
               <a:ext uri="{FF2B5EF4-FFF2-40B4-BE49-F238E27FC236}">
-                <a16:creationId xmlns:a16="http://schemas.microsoft.com/office/drawing/2014/main" id="{5D20CB7D-70E7-FD5E-20D5-86BC64CF5C15}"/>
+                <a16:creationId xmlns:a16="http://schemas.microsoft.com/office/drawing/2014/main" id="{B2DD7006-F281-AEC7-022E-4971EDA895CA}"/>
               </a:ext>
             </a:extLst>
           </p:cNvPr>
@@ -783,7 +783,7 @@
           <p:cNvPr id="3" name="内容占位符 2">
             <a:extLst>
               <a:ext uri="{FF2B5EF4-FFF2-40B4-BE49-F238E27FC236}">
-                <a16:creationId xmlns:a16="http://schemas.microsoft.com/office/drawing/2014/main" id="{1BAC1177-9A6E-B397-008E-AAF6C4A646B5}"/>
+                <a16:creationId xmlns:a16="http://schemas.microsoft.com/office/drawing/2014/main" id="{67F32C5A-62AB-261C-2A24-41A6C3046CF6}"/>
               </a:ext>
             </a:extLst>
           </p:cNvPr>
@@ -840,7 +840,7 @@
           <p:cNvPr id="4" name="日期占位符 3">
             <a:extLst>
               <a:ext uri="{FF2B5EF4-FFF2-40B4-BE49-F238E27FC236}">
-                <a16:creationId xmlns:a16="http://schemas.microsoft.com/office/drawing/2014/main" id="{8AD1C9FE-5E70-6CF6-9B5F-B7FED57777B4}"/>
+                <a16:creationId xmlns:a16="http://schemas.microsoft.com/office/drawing/2014/main" id="{EA6D6F51-9DE6-78A5-C2FD-20F9E68A6D0B}"/>
               </a:ext>
             </a:extLst>
           </p:cNvPr>
@@ -856,7 +856,7 @@
           <a:bodyPr/>
           <a:lstStyle/>
           <a:p>
-            <a:fld id="{E5625592-89BB-45F9-A353-19B7481D4320}" type="datetimeFigureOut">
+            <a:fld id="{A30D8157-CBE8-4140-8EDB-17D187974B4F}" type="datetimeFigureOut">
               <a:rPr lang="zh-CN" altLang="en-US" smtClean="0"/>
               <a:t>2024/3/10</a:t>
             </a:fld>
@@ -869,7 +869,7 @@
           <p:cNvPr id="5" name="页脚占位符 4">
             <a:extLst>
               <a:ext uri="{FF2B5EF4-FFF2-40B4-BE49-F238E27FC236}">
-                <a16:creationId xmlns:a16="http://schemas.microsoft.com/office/drawing/2014/main" id="{BAA678FA-2729-0312-B7F5-CD1FD9ED3D9B}"/>
+                <a16:creationId xmlns:a16="http://schemas.microsoft.com/office/drawing/2014/main" id="{13FC6B07-9CA9-8EBB-E78D-71176FF1069A}"/>
               </a:ext>
             </a:extLst>
           </p:cNvPr>
@@ -894,7 +894,7 @@
           <p:cNvPr id="6" name="灯片编号占位符 5">
             <a:extLst>
               <a:ext uri="{FF2B5EF4-FFF2-40B4-BE49-F238E27FC236}">
-                <a16:creationId xmlns:a16="http://schemas.microsoft.com/office/drawing/2014/main" id="{25309B87-CC23-A396-1ACA-E51D2CC2AD04}"/>
+                <a16:creationId xmlns:a16="http://schemas.microsoft.com/office/drawing/2014/main" id="{9CFC1108-2AB9-8DF3-813B-D387583EAD45}"/>
               </a:ext>
             </a:extLst>
           </p:cNvPr>
@@ -910,7 +910,7 @@
           <a:bodyPr/>
           <a:lstStyle/>
           <a:p>
-            <a:fld id="{881202FE-6186-4D4D-B8CA-C936978719C4}" type="slidenum">
+            <a:fld id="{0BB61656-8BB2-4934-972A-DD1195AE2C67}" type="slidenum">
               <a:rPr lang="zh-CN" altLang="en-US" smtClean="0"/>
               <a:t>‹#›</a:t>
             </a:fld>
@@ -921,7 +921,7 @@
     </p:spTree>
     <p:extLst>
       <p:ext uri="{BB962C8B-B14F-4D97-AF65-F5344CB8AC3E}">
-        <p14:creationId xmlns:p14="http://schemas.microsoft.com/office/powerpoint/2010/main" val="2931547774"/>
+        <p14:creationId xmlns:p14="http://schemas.microsoft.com/office/powerpoint/2010/main" val="388863847"/>
       </p:ext>
     </p:extLst>
   </p:cSld>
@@ -953,7 +953,7 @@
           <p:cNvPr id="2" name="标题 1">
             <a:extLst>
               <a:ext uri="{FF2B5EF4-FFF2-40B4-BE49-F238E27FC236}">
-                <a16:creationId xmlns:a16="http://schemas.microsoft.com/office/drawing/2014/main" id="{809DB08C-FEE4-5E8B-6F1F-62A89AE06BD3}"/>
+                <a16:creationId xmlns:a16="http://schemas.microsoft.com/office/drawing/2014/main" id="{93F285F4-9FD6-A099-0227-D68981EB4019}"/>
               </a:ext>
             </a:extLst>
           </p:cNvPr>
@@ -990,7 +990,7 @@
           <p:cNvPr id="3" name="文本占位符 2">
             <a:extLst>
               <a:ext uri="{FF2B5EF4-FFF2-40B4-BE49-F238E27FC236}">
-                <a16:creationId xmlns:a16="http://schemas.microsoft.com/office/drawing/2014/main" id="{8CEAD8F2-AF00-113E-39B5-B6B3BE936E24}"/>
+                <a16:creationId xmlns:a16="http://schemas.microsoft.com/office/drawing/2014/main" id="{EC8F5B35-BBA2-F37E-58BE-495686DA0F01}"/>
               </a:ext>
             </a:extLst>
           </p:cNvPr>
@@ -1115,7 +1115,7 @@
           <p:cNvPr id="4" name="日期占位符 3">
             <a:extLst>
               <a:ext uri="{FF2B5EF4-FFF2-40B4-BE49-F238E27FC236}">
-                <a16:creationId xmlns:a16="http://schemas.microsoft.com/office/drawing/2014/main" id="{9709D38C-01CE-0983-5E15-8DA0CE6BDF91}"/>
+                <a16:creationId xmlns:a16="http://schemas.microsoft.com/office/drawing/2014/main" id="{F76357BC-3D12-3437-0C7A-881E2FDCFDBD}"/>
               </a:ext>
             </a:extLst>
           </p:cNvPr>
@@ -1131,7 +1131,7 @@
           <a:bodyPr/>
           <a:lstStyle/>
           <a:p>
-            <a:fld id="{E5625592-89BB-45F9-A353-19B7481D4320}" type="datetimeFigureOut">
+            <a:fld id="{A30D8157-CBE8-4140-8EDB-17D187974B4F}" type="datetimeFigureOut">
               <a:rPr lang="zh-CN" altLang="en-US" smtClean="0"/>
               <a:t>2024/3/10</a:t>
             </a:fld>
@@ -1144,7 +1144,7 @@
           <p:cNvPr id="5" name="页脚占位符 4">
             <a:extLst>
               <a:ext uri="{FF2B5EF4-FFF2-40B4-BE49-F238E27FC236}">
-                <a16:creationId xmlns:a16="http://schemas.microsoft.com/office/drawing/2014/main" id="{A6390A82-08F0-F6B8-BA57-B3F8CE696905}"/>
+                <a16:creationId xmlns:a16="http://schemas.microsoft.com/office/drawing/2014/main" id="{E3F3DD42-7EB3-F760-466E-A57BC4B4D09A}"/>
               </a:ext>
             </a:extLst>
           </p:cNvPr>
@@ -1169,7 +1169,7 @@
           <p:cNvPr id="6" name="灯片编号占位符 5">
             <a:extLst>
               <a:ext uri="{FF2B5EF4-FFF2-40B4-BE49-F238E27FC236}">
-                <a16:creationId xmlns:a16="http://schemas.microsoft.com/office/drawing/2014/main" id="{A6574A27-FD72-0D9A-2431-F62502A7DF1A}"/>
+                <a16:creationId xmlns:a16="http://schemas.microsoft.com/office/drawing/2014/main" id="{751A211B-3193-8CB1-B874-F8604462D78E}"/>
               </a:ext>
             </a:extLst>
           </p:cNvPr>
@@ -1185,7 +1185,7 @@
           <a:bodyPr/>
           <a:lstStyle/>
           <a:p>
-            <a:fld id="{881202FE-6186-4D4D-B8CA-C936978719C4}" type="slidenum">
+            <a:fld id="{0BB61656-8BB2-4934-972A-DD1195AE2C67}" type="slidenum">
               <a:rPr lang="zh-CN" altLang="en-US" smtClean="0"/>
               <a:t>‹#›</a:t>
             </a:fld>
@@ -1196,7 +1196,7 @@
     </p:spTree>
     <p:extLst>
       <p:ext uri="{BB962C8B-B14F-4D97-AF65-F5344CB8AC3E}">
-        <p14:creationId xmlns:p14="http://schemas.microsoft.com/office/powerpoint/2010/main" val="104148866"/>
+        <p14:creationId xmlns:p14="http://schemas.microsoft.com/office/powerpoint/2010/main" val="857757273"/>
       </p:ext>
     </p:extLst>
   </p:cSld>
@@ -1228,7 +1228,7 @@
           <p:cNvPr id="2" name="标题 1">
             <a:extLst>
               <a:ext uri="{FF2B5EF4-FFF2-40B4-BE49-F238E27FC236}">
-                <a16:creationId xmlns:a16="http://schemas.microsoft.com/office/drawing/2014/main" id="{0085F55E-AD1D-D12E-0664-BECF5F7DCDD2}"/>
+                <a16:creationId xmlns:a16="http://schemas.microsoft.com/office/drawing/2014/main" id="{0624448E-A1F9-A89C-1A6F-AF7A696F1019}"/>
               </a:ext>
             </a:extLst>
           </p:cNvPr>
@@ -1256,7 +1256,7 @@
           <p:cNvPr id="3" name="内容占位符 2">
             <a:extLst>
               <a:ext uri="{FF2B5EF4-FFF2-40B4-BE49-F238E27FC236}">
-                <a16:creationId xmlns:a16="http://schemas.microsoft.com/office/drawing/2014/main" id="{C95E763C-172A-C668-672E-B9AE04BBD29E}"/>
+                <a16:creationId xmlns:a16="http://schemas.microsoft.com/office/drawing/2014/main" id="{C61ED927-3D98-7B70-5D66-0F67F377B51B}"/>
               </a:ext>
             </a:extLst>
           </p:cNvPr>
@@ -1318,7 +1318,7 @@
           <p:cNvPr id="4" name="内容占位符 3">
             <a:extLst>
               <a:ext uri="{FF2B5EF4-FFF2-40B4-BE49-F238E27FC236}">
-                <a16:creationId xmlns:a16="http://schemas.microsoft.com/office/drawing/2014/main" id="{870D0F14-367F-2496-645A-A420AC360C0E}"/>
+                <a16:creationId xmlns:a16="http://schemas.microsoft.com/office/drawing/2014/main" id="{6D5C253E-1E93-7709-ACE4-1CF34E07EF20}"/>
               </a:ext>
             </a:extLst>
           </p:cNvPr>
@@ -1380,7 +1380,7 @@
           <p:cNvPr id="5" name="日期占位符 4">
             <a:extLst>
               <a:ext uri="{FF2B5EF4-FFF2-40B4-BE49-F238E27FC236}">
-                <a16:creationId xmlns:a16="http://schemas.microsoft.com/office/drawing/2014/main" id="{E47DDC58-7E18-476C-ACF0-E5F9B4BE45F9}"/>
+                <a16:creationId xmlns:a16="http://schemas.microsoft.com/office/drawing/2014/main" id="{D1E867C9-B0F9-F2CD-7A96-3F86700CDA80}"/>
               </a:ext>
             </a:extLst>
           </p:cNvPr>
@@ -1396,7 +1396,7 @@
           <a:bodyPr/>
           <a:lstStyle/>
           <a:p>
-            <a:fld id="{E5625592-89BB-45F9-A353-19B7481D4320}" type="datetimeFigureOut">
+            <a:fld id="{A30D8157-CBE8-4140-8EDB-17D187974B4F}" type="datetimeFigureOut">
               <a:rPr lang="zh-CN" altLang="en-US" smtClean="0"/>
               <a:t>2024/3/10</a:t>
             </a:fld>
@@ -1409,7 +1409,7 @@
           <p:cNvPr id="6" name="页脚占位符 5">
             <a:extLst>
               <a:ext uri="{FF2B5EF4-FFF2-40B4-BE49-F238E27FC236}">
-                <a16:creationId xmlns:a16="http://schemas.microsoft.com/office/drawing/2014/main" id="{0B97F411-46A7-BDFD-8E2D-FC6823FCD4A6}"/>
+                <a16:creationId xmlns:a16="http://schemas.microsoft.com/office/drawing/2014/main" id="{4EA81BBE-8831-A03A-9C6E-8070BDEDE64A}"/>
               </a:ext>
             </a:extLst>
           </p:cNvPr>
@@ -1434,7 +1434,7 @@
           <p:cNvPr id="7" name="灯片编号占位符 6">
             <a:extLst>
               <a:ext uri="{FF2B5EF4-FFF2-40B4-BE49-F238E27FC236}">
-                <a16:creationId xmlns:a16="http://schemas.microsoft.com/office/drawing/2014/main" id="{02D31771-D9BC-F443-6B96-53CFB20C859B}"/>
+                <a16:creationId xmlns:a16="http://schemas.microsoft.com/office/drawing/2014/main" id="{223C7981-6CB4-6DB0-A44D-13668E981DDC}"/>
               </a:ext>
             </a:extLst>
           </p:cNvPr>
@@ -1450,7 +1450,7 @@
           <a:bodyPr/>
           <a:lstStyle/>
           <a:p>
-            <a:fld id="{881202FE-6186-4D4D-B8CA-C936978719C4}" type="slidenum">
+            <a:fld id="{0BB61656-8BB2-4934-972A-DD1195AE2C67}" type="slidenum">
               <a:rPr lang="zh-CN" altLang="en-US" smtClean="0"/>
               <a:t>‹#›</a:t>
             </a:fld>
@@ -1461,7 +1461,7 @@
     </p:spTree>
     <p:extLst>
       <p:ext uri="{BB962C8B-B14F-4D97-AF65-F5344CB8AC3E}">
-        <p14:creationId xmlns:p14="http://schemas.microsoft.com/office/powerpoint/2010/main" val="2196692221"/>
+        <p14:creationId xmlns:p14="http://schemas.microsoft.com/office/powerpoint/2010/main" val="2486633060"/>
       </p:ext>
     </p:extLst>
   </p:cSld>
@@ -1493,7 +1493,7 @@
           <p:cNvPr id="2" name="标题 1">
             <a:extLst>
               <a:ext uri="{FF2B5EF4-FFF2-40B4-BE49-F238E27FC236}">
-                <a16:creationId xmlns:a16="http://schemas.microsoft.com/office/drawing/2014/main" id="{F33513B6-B77C-02BC-E875-02CB0F996114}"/>
+                <a16:creationId xmlns:a16="http://schemas.microsoft.com/office/drawing/2014/main" id="{7ED48D57-B876-5C58-0C82-985BED704396}"/>
               </a:ext>
             </a:extLst>
           </p:cNvPr>
@@ -1526,7 +1526,7 @@
           <p:cNvPr id="3" name="文本占位符 2">
             <a:extLst>
               <a:ext uri="{FF2B5EF4-FFF2-40B4-BE49-F238E27FC236}">
-                <a16:creationId xmlns:a16="http://schemas.microsoft.com/office/drawing/2014/main" id="{0FA5404C-487B-1313-A504-0AD71F7ABFE5}"/>
+                <a16:creationId xmlns:a16="http://schemas.microsoft.com/office/drawing/2014/main" id="{764CFC1C-ECA8-1543-89B2-79E0C0AE2650}"/>
               </a:ext>
             </a:extLst>
           </p:cNvPr>
@@ -1597,7 +1597,7 @@
           <p:cNvPr id="4" name="内容占位符 3">
             <a:extLst>
               <a:ext uri="{FF2B5EF4-FFF2-40B4-BE49-F238E27FC236}">
-                <a16:creationId xmlns:a16="http://schemas.microsoft.com/office/drawing/2014/main" id="{4F4C2875-169F-FF67-2158-242A83A9C5F8}"/>
+                <a16:creationId xmlns:a16="http://schemas.microsoft.com/office/drawing/2014/main" id="{811701AF-01D3-919F-557B-DDAD5A74B231}"/>
               </a:ext>
             </a:extLst>
           </p:cNvPr>
@@ -1659,7 +1659,7 @@
           <p:cNvPr id="5" name="文本占位符 4">
             <a:extLst>
               <a:ext uri="{FF2B5EF4-FFF2-40B4-BE49-F238E27FC236}">
-                <a16:creationId xmlns:a16="http://schemas.microsoft.com/office/drawing/2014/main" id="{B00A6A73-1804-E953-44DF-55697B9D4791}"/>
+                <a16:creationId xmlns:a16="http://schemas.microsoft.com/office/drawing/2014/main" id="{C5E39763-E7D9-62DD-58B7-2F441E9DF927}"/>
               </a:ext>
             </a:extLst>
           </p:cNvPr>
@@ -1730,7 +1730,7 @@
           <p:cNvPr id="6" name="内容占位符 5">
             <a:extLst>
               <a:ext uri="{FF2B5EF4-FFF2-40B4-BE49-F238E27FC236}">
-                <a16:creationId xmlns:a16="http://schemas.microsoft.com/office/drawing/2014/main" id="{A1BA3326-5F3F-95A4-C884-11AB5CAEF27D}"/>
+                <a16:creationId xmlns:a16="http://schemas.microsoft.com/office/drawing/2014/main" id="{F9A9025B-6315-A627-0304-B61587EA3399}"/>
               </a:ext>
             </a:extLst>
           </p:cNvPr>
@@ -1792,7 +1792,7 @@
           <p:cNvPr id="7" name="日期占位符 6">
             <a:extLst>
               <a:ext uri="{FF2B5EF4-FFF2-40B4-BE49-F238E27FC236}">
-                <a16:creationId xmlns:a16="http://schemas.microsoft.com/office/drawing/2014/main" id="{3F0E5D95-1A29-19FB-F1C6-782F9C470422}"/>
+                <a16:creationId xmlns:a16="http://schemas.microsoft.com/office/drawing/2014/main" id="{FDF776BA-3A3E-AD96-5386-396783440492}"/>
               </a:ext>
             </a:extLst>
           </p:cNvPr>
@@ -1808,7 +1808,7 @@
           <a:bodyPr/>
           <a:lstStyle/>
           <a:p>
-            <a:fld id="{E5625592-89BB-45F9-A353-19B7481D4320}" type="datetimeFigureOut">
+            <a:fld id="{A30D8157-CBE8-4140-8EDB-17D187974B4F}" type="datetimeFigureOut">
               <a:rPr lang="zh-CN" altLang="en-US" smtClean="0"/>
               <a:t>2024/3/10</a:t>
             </a:fld>
@@ -1821,7 +1821,7 @@
           <p:cNvPr id="8" name="页脚占位符 7">
             <a:extLst>
               <a:ext uri="{FF2B5EF4-FFF2-40B4-BE49-F238E27FC236}">
-                <a16:creationId xmlns:a16="http://schemas.microsoft.com/office/drawing/2014/main" id="{E4D34B70-516C-3DAD-D9FE-498978E759FD}"/>
+                <a16:creationId xmlns:a16="http://schemas.microsoft.com/office/drawing/2014/main" id="{572C9F1A-FC20-2D80-99A5-DEFF835B4F28}"/>
               </a:ext>
             </a:extLst>
           </p:cNvPr>
@@ -1846,7 +1846,7 @@
           <p:cNvPr id="9" name="灯片编号占位符 8">
             <a:extLst>
               <a:ext uri="{FF2B5EF4-FFF2-40B4-BE49-F238E27FC236}">
-                <a16:creationId xmlns:a16="http://schemas.microsoft.com/office/drawing/2014/main" id="{9F06D604-94ED-5742-8C9A-8195F1727F9D}"/>
+                <a16:creationId xmlns:a16="http://schemas.microsoft.com/office/drawing/2014/main" id="{0570E204-1C9B-D25C-2157-A3A7E4F714D2}"/>
               </a:ext>
             </a:extLst>
           </p:cNvPr>
@@ -1862,7 +1862,7 @@
           <a:bodyPr/>
           <a:lstStyle/>
           <a:p>
-            <a:fld id="{881202FE-6186-4D4D-B8CA-C936978719C4}" type="slidenum">
+            <a:fld id="{0BB61656-8BB2-4934-972A-DD1195AE2C67}" type="slidenum">
               <a:rPr lang="zh-CN" altLang="en-US" smtClean="0"/>
               <a:t>‹#›</a:t>
             </a:fld>
@@ -1873,7 +1873,7 @@
     </p:spTree>
     <p:extLst>
       <p:ext uri="{BB962C8B-B14F-4D97-AF65-F5344CB8AC3E}">
-        <p14:creationId xmlns:p14="http://schemas.microsoft.com/office/powerpoint/2010/main" val="2373589733"/>
+        <p14:creationId xmlns:p14="http://schemas.microsoft.com/office/powerpoint/2010/main" val="746320688"/>
       </p:ext>
     </p:extLst>
   </p:cSld>
@@ -1905,7 +1905,7 @@
           <p:cNvPr id="2" name="标题 1">
             <a:extLst>
               <a:ext uri="{FF2B5EF4-FFF2-40B4-BE49-F238E27FC236}">
-                <a16:creationId xmlns:a16="http://schemas.microsoft.com/office/drawing/2014/main" id="{26F5E2EE-12E5-2FA5-E5C5-56271068B8A1}"/>
+                <a16:creationId xmlns:a16="http://schemas.microsoft.com/office/drawing/2014/main" id="{C6649896-11D4-BB71-EDB7-56435E1E0087}"/>
               </a:ext>
             </a:extLst>
           </p:cNvPr>
@@ -1933,7 +1933,7 @@
           <p:cNvPr id="3" name="日期占位符 2">
             <a:extLst>
               <a:ext uri="{FF2B5EF4-FFF2-40B4-BE49-F238E27FC236}">
-                <a16:creationId xmlns:a16="http://schemas.microsoft.com/office/drawing/2014/main" id="{9AE2D768-9012-5797-1959-787D4979A056}"/>
+                <a16:creationId xmlns:a16="http://schemas.microsoft.com/office/drawing/2014/main" id="{2D160BFA-FD20-ECBD-11B6-564EEB8FE497}"/>
               </a:ext>
             </a:extLst>
           </p:cNvPr>
@@ -1949,7 +1949,7 @@
           <a:bodyPr/>
           <a:lstStyle/>
           <a:p>
-            <a:fld id="{E5625592-89BB-45F9-A353-19B7481D4320}" type="datetimeFigureOut">
+            <a:fld id="{A30D8157-CBE8-4140-8EDB-17D187974B4F}" type="datetimeFigureOut">
               <a:rPr lang="zh-CN" altLang="en-US" smtClean="0"/>
               <a:t>2024/3/10</a:t>
             </a:fld>
@@ -1962,7 +1962,7 @@
           <p:cNvPr id="4" name="页脚占位符 3">
             <a:extLst>
               <a:ext uri="{FF2B5EF4-FFF2-40B4-BE49-F238E27FC236}">
-                <a16:creationId xmlns:a16="http://schemas.microsoft.com/office/drawing/2014/main" id="{8F35A87D-3095-6721-BDC5-BD7862CC1254}"/>
+                <a16:creationId xmlns:a16="http://schemas.microsoft.com/office/drawing/2014/main" id="{BC896F62-A760-587B-9858-861D61DCC551}"/>
               </a:ext>
             </a:extLst>
           </p:cNvPr>
@@ -1987,7 +1987,7 @@
           <p:cNvPr id="5" name="灯片编号占位符 4">
             <a:extLst>
               <a:ext uri="{FF2B5EF4-FFF2-40B4-BE49-F238E27FC236}">
-                <a16:creationId xmlns:a16="http://schemas.microsoft.com/office/drawing/2014/main" id="{FF5BED58-2BB7-ABD2-C894-DE69A0061018}"/>
+                <a16:creationId xmlns:a16="http://schemas.microsoft.com/office/drawing/2014/main" id="{7129DE3D-FA21-F8FE-70D3-F912B41080B6}"/>
               </a:ext>
             </a:extLst>
           </p:cNvPr>
@@ -2003,7 +2003,7 @@
           <a:bodyPr/>
           <a:lstStyle/>
           <a:p>
-            <a:fld id="{881202FE-6186-4D4D-B8CA-C936978719C4}" type="slidenum">
+            <a:fld id="{0BB61656-8BB2-4934-972A-DD1195AE2C67}" type="slidenum">
               <a:rPr lang="zh-CN" altLang="en-US" smtClean="0"/>
               <a:t>‹#›</a:t>
             </a:fld>
@@ -2014,7 +2014,7 @@
     </p:spTree>
     <p:extLst>
       <p:ext uri="{BB962C8B-B14F-4D97-AF65-F5344CB8AC3E}">
-        <p14:creationId xmlns:p14="http://schemas.microsoft.com/office/powerpoint/2010/main" val="2386438281"/>
+        <p14:creationId xmlns:p14="http://schemas.microsoft.com/office/powerpoint/2010/main" val="3380358379"/>
       </p:ext>
     </p:extLst>
   </p:cSld>
@@ -2046,7 +2046,7 @@
           <p:cNvPr id="2" name="日期占位符 1">
             <a:extLst>
               <a:ext uri="{FF2B5EF4-FFF2-40B4-BE49-F238E27FC236}">
-                <a16:creationId xmlns:a16="http://schemas.microsoft.com/office/drawing/2014/main" id="{828F2DDD-E02E-F93F-E413-D7EF73F81396}"/>
+                <a16:creationId xmlns:a16="http://schemas.microsoft.com/office/drawing/2014/main" id="{F64C8A3D-D7E9-052F-16ED-9AE0EB1A93A0}"/>
               </a:ext>
             </a:extLst>
           </p:cNvPr>
@@ -2062,7 +2062,7 @@
           <a:bodyPr/>
           <a:lstStyle/>
           <a:p>
-            <a:fld id="{E5625592-89BB-45F9-A353-19B7481D4320}" type="datetimeFigureOut">
+            <a:fld id="{A30D8157-CBE8-4140-8EDB-17D187974B4F}" type="datetimeFigureOut">
               <a:rPr lang="zh-CN" altLang="en-US" smtClean="0"/>
               <a:t>2024/3/10</a:t>
             </a:fld>
@@ -2075,7 +2075,7 @@
           <p:cNvPr id="3" name="页脚占位符 2">
             <a:extLst>
               <a:ext uri="{FF2B5EF4-FFF2-40B4-BE49-F238E27FC236}">
-                <a16:creationId xmlns:a16="http://schemas.microsoft.com/office/drawing/2014/main" id="{20B57952-14C5-FAA5-0711-101C13FCAA9D}"/>
+                <a16:creationId xmlns:a16="http://schemas.microsoft.com/office/drawing/2014/main" id="{68E78A93-1BAF-F58A-0B4F-109847080B64}"/>
               </a:ext>
             </a:extLst>
           </p:cNvPr>
@@ -2100,7 +2100,7 @@
           <p:cNvPr id="4" name="灯片编号占位符 3">
             <a:extLst>
               <a:ext uri="{FF2B5EF4-FFF2-40B4-BE49-F238E27FC236}">
-                <a16:creationId xmlns:a16="http://schemas.microsoft.com/office/drawing/2014/main" id="{4A984177-21C6-97B8-26D5-F9F329B73F67}"/>
+                <a16:creationId xmlns:a16="http://schemas.microsoft.com/office/drawing/2014/main" id="{BC529C14-000C-ECED-B3EC-591D2800DF3C}"/>
               </a:ext>
             </a:extLst>
           </p:cNvPr>
@@ -2116,7 +2116,7 @@
           <a:bodyPr/>
           <a:lstStyle/>
           <a:p>
-            <a:fld id="{881202FE-6186-4D4D-B8CA-C936978719C4}" type="slidenum">
+            <a:fld id="{0BB61656-8BB2-4934-972A-DD1195AE2C67}" type="slidenum">
               <a:rPr lang="zh-CN" altLang="en-US" smtClean="0"/>
               <a:t>‹#›</a:t>
             </a:fld>
@@ -2127,7 +2127,7 @@
     </p:spTree>
     <p:extLst>
       <p:ext uri="{BB962C8B-B14F-4D97-AF65-F5344CB8AC3E}">
-        <p14:creationId xmlns:p14="http://schemas.microsoft.com/office/powerpoint/2010/main" val="3917974131"/>
+        <p14:creationId xmlns:p14="http://schemas.microsoft.com/office/powerpoint/2010/main" val="3894898346"/>
       </p:ext>
     </p:extLst>
   </p:cSld>
@@ -2159,7 +2159,7 @@
           <p:cNvPr id="2" name="标题 1">
             <a:extLst>
               <a:ext uri="{FF2B5EF4-FFF2-40B4-BE49-F238E27FC236}">
-                <a16:creationId xmlns:a16="http://schemas.microsoft.com/office/drawing/2014/main" id="{9886559D-2DCD-1EF8-5B75-C608CDB5C233}"/>
+                <a16:creationId xmlns:a16="http://schemas.microsoft.com/office/drawing/2014/main" id="{27EC3098-F0E8-5765-98E2-FE7587FBB64F}"/>
               </a:ext>
             </a:extLst>
           </p:cNvPr>
@@ -2196,7 +2196,7 @@
           <p:cNvPr id="3" name="内容占位符 2">
             <a:extLst>
               <a:ext uri="{FF2B5EF4-FFF2-40B4-BE49-F238E27FC236}">
-                <a16:creationId xmlns:a16="http://schemas.microsoft.com/office/drawing/2014/main" id="{89A80231-EB0B-D4B9-2682-926B2F9FD309}"/>
+                <a16:creationId xmlns:a16="http://schemas.microsoft.com/office/drawing/2014/main" id="{B4ABF106-C9B3-47BE-85A6-3868B33A718D}"/>
               </a:ext>
             </a:extLst>
           </p:cNvPr>
@@ -2286,7 +2286,7 @@
           <p:cNvPr id="4" name="文本占位符 3">
             <a:extLst>
               <a:ext uri="{FF2B5EF4-FFF2-40B4-BE49-F238E27FC236}">
-                <a16:creationId xmlns:a16="http://schemas.microsoft.com/office/drawing/2014/main" id="{8BD941DC-EC30-F428-1175-BFDF401A57D5}"/>
+                <a16:creationId xmlns:a16="http://schemas.microsoft.com/office/drawing/2014/main" id="{1B609E37-E65D-874C-E21A-AC73282CA520}"/>
               </a:ext>
             </a:extLst>
           </p:cNvPr>
@@ -2357,7 +2357,7 @@
           <p:cNvPr id="5" name="日期占位符 4">
             <a:extLst>
               <a:ext uri="{FF2B5EF4-FFF2-40B4-BE49-F238E27FC236}">
-                <a16:creationId xmlns:a16="http://schemas.microsoft.com/office/drawing/2014/main" id="{270947BE-4406-4447-4267-FE9EE196D7F5}"/>
+                <a16:creationId xmlns:a16="http://schemas.microsoft.com/office/drawing/2014/main" id="{851AF41F-FC8E-2BD9-5703-B1056F95F11F}"/>
               </a:ext>
             </a:extLst>
           </p:cNvPr>
@@ -2373,7 +2373,7 @@
           <a:bodyPr/>
           <a:lstStyle/>
           <a:p>
-            <a:fld id="{E5625592-89BB-45F9-A353-19B7481D4320}" type="datetimeFigureOut">
+            <a:fld id="{A30D8157-CBE8-4140-8EDB-17D187974B4F}" type="datetimeFigureOut">
               <a:rPr lang="zh-CN" altLang="en-US" smtClean="0"/>
               <a:t>2024/3/10</a:t>
             </a:fld>
@@ -2386,7 +2386,7 @@
           <p:cNvPr id="6" name="页脚占位符 5">
             <a:extLst>
               <a:ext uri="{FF2B5EF4-FFF2-40B4-BE49-F238E27FC236}">
-                <a16:creationId xmlns:a16="http://schemas.microsoft.com/office/drawing/2014/main" id="{FA797396-D5FD-1D55-AD3A-729D59C3ED49}"/>
+                <a16:creationId xmlns:a16="http://schemas.microsoft.com/office/drawing/2014/main" id="{59DD031E-2058-F004-8316-199716EA3A5A}"/>
               </a:ext>
             </a:extLst>
           </p:cNvPr>
@@ -2411,7 +2411,7 @@
           <p:cNvPr id="7" name="灯片编号占位符 6">
             <a:extLst>
               <a:ext uri="{FF2B5EF4-FFF2-40B4-BE49-F238E27FC236}">
-                <a16:creationId xmlns:a16="http://schemas.microsoft.com/office/drawing/2014/main" id="{BCAD3523-D844-6FC3-3BC4-2CB5DCD846A1}"/>
+                <a16:creationId xmlns:a16="http://schemas.microsoft.com/office/drawing/2014/main" id="{E7C5864A-9D23-9CC3-D7F1-1D25AC184801}"/>
               </a:ext>
             </a:extLst>
           </p:cNvPr>
@@ -2427,7 +2427,7 @@
           <a:bodyPr/>
           <a:lstStyle/>
           <a:p>
-            <a:fld id="{881202FE-6186-4D4D-B8CA-C936978719C4}" type="slidenum">
+            <a:fld id="{0BB61656-8BB2-4934-972A-DD1195AE2C67}" type="slidenum">
               <a:rPr lang="zh-CN" altLang="en-US" smtClean="0"/>
               <a:t>‹#›</a:t>
             </a:fld>
@@ -2438,7 +2438,7 @@
     </p:spTree>
     <p:extLst>
       <p:ext uri="{BB962C8B-B14F-4D97-AF65-F5344CB8AC3E}">
-        <p14:creationId xmlns:p14="http://schemas.microsoft.com/office/powerpoint/2010/main" val="1374086435"/>
+        <p14:creationId xmlns:p14="http://schemas.microsoft.com/office/powerpoint/2010/main" val="3629278189"/>
       </p:ext>
     </p:extLst>
   </p:cSld>
@@ -2470,7 +2470,7 @@
           <p:cNvPr id="2" name="标题 1">
             <a:extLst>
               <a:ext uri="{FF2B5EF4-FFF2-40B4-BE49-F238E27FC236}">
-                <a16:creationId xmlns:a16="http://schemas.microsoft.com/office/drawing/2014/main" id="{E6F6A072-B5A3-AAC8-FDB4-B568B32DA3C5}"/>
+                <a16:creationId xmlns:a16="http://schemas.microsoft.com/office/drawing/2014/main" id="{9476C7F4-0D9A-2A61-ECAD-E4C52952489F}"/>
               </a:ext>
             </a:extLst>
           </p:cNvPr>
@@ -2507,7 +2507,7 @@
           <p:cNvPr id="3" name="图片占位符 2">
             <a:extLst>
               <a:ext uri="{FF2B5EF4-FFF2-40B4-BE49-F238E27FC236}">
-                <a16:creationId xmlns:a16="http://schemas.microsoft.com/office/drawing/2014/main" id="{F181C90C-A0AC-D9C4-BCFC-50DEE81F354C}"/>
+                <a16:creationId xmlns:a16="http://schemas.microsoft.com/office/drawing/2014/main" id="{99AD3777-58EA-741F-3B25-98E63CECC724}"/>
               </a:ext>
             </a:extLst>
           </p:cNvPr>
@@ -2574,7 +2574,7 @@
           <p:cNvPr id="4" name="文本占位符 3">
             <a:extLst>
               <a:ext uri="{FF2B5EF4-FFF2-40B4-BE49-F238E27FC236}">
-                <a16:creationId xmlns:a16="http://schemas.microsoft.com/office/drawing/2014/main" id="{DB6439C5-BA5F-3F74-9834-E61264495C91}"/>
+                <a16:creationId xmlns:a16="http://schemas.microsoft.com/office/drawing/2014/main" id="{A1EECDE6-EA31-302D-09AB-DCE5EFEF387A}"/>
               </a:ext>
             </a:extLst>
           </p:cNvPr>
@@ -2645,7 +2645,7 @@
           <p:cNvPr id="5" name="日期占位符 4">
             <a:extLst>
               <a:ext uri="{FF2B5EF4-FFF2-40B4-BE49-F238E27FC236}">
-                <a16:creationId xmlns:a16="http://schemas.microsoft.com/office/drawing/2014/main" id="{367DA08F-D967-4BFE-7843-8099796FBE8B}"/>
+                <a16:creationId xmlns:a16="http://schemas.microsoft.com/office/drawing/2014/main" id="{DD3D2419-9D06-21EB-A1AE-C7527D2E4067}"/>
               </a:ext>
             </a:extLst>
           </p:cNvPr>
@@ -2661,7 +2661,7 @@
           <a:bodyPr/>
           <a:lstStyle/>
           <a:p>
-            <a:fld id="{E5625592-89BB-45F9-A353-19B7481D4320}" type="datetimeFigureOut">
+            <a:fld id="{A30D8157-CBE8-4140-8EDB-17D187974B4F}" type="datetimeFigureOut">
               <a:rPr lang="zh-CN" altLang="en-US" smtClean="0"/>
               <a:t>2024/3/10</a:t>
             </a:fld>
@@ -2674,7 +2674,7 @@
           <p:cNvPr id="6" name="页脚占位符 5">
             <a:extLst>
               <a:ext uri="{FF2B5EF4-FFF2-40B4-BE49-F238E27FC236}">
-                <a16:creationId xmlns:a16="http://schemas.microsoft.com/office/drawing/2014/main" id="{D4B3C0F2-56CC-0DD2-4751-4BE19860D1FF}"/>
+                <a16:creationId xmlns:a16="http://schemas.microsoft.com/office/drawing/2014/main" id="{8A524A05-0D5F-A009-A497-ABDF8B5453DC}"/>
               </a:ext>
             </a:extLst>
           </p:cNvPr>
@@ -2699,7 +2699,7 @@
           <p:cNvPr id="7" name="灯片编号占位符 6">
             <a:extLst>
               <a:ext uri="{FF2B5EF4-FFF2-40B4-BE49-F238E27FC236}">
-                <a16:creationId xmlns:a16="http://schemas.microsoft.com/office/drawing/2014/main" id="{F22AA755-5B77-4A92-9AE6-C6D97873D333}"/>
+                <a16:creationId xmlns:a16="http://schemas.microsoft.com/office/drawing/2014/main" id="{B80027FC-080F-98C1-B96D-3BC84E86B3B1}"/>
               </a:ext>
             </a:extLst>
           </p:cNvPr>
@@ -2715,7 +2715,7 @@
           <a:bodyPr/>
           <a:lstStyle/>
           <a:p>
-            <a:fld id="{881202FE-6186-4D4D-B8CA-C936978719C4}" type="slidenum">
+            <a:fld id="{0BB61656-8BB2-4934-972A-DD1195AE2C67}" type="slidenum">
               <a:rPr lang="zh-CN" altLang="en-US" smtClean="0"/>
               <a:t>‹#›</a:t>
             </a:fld>
@@ -2726,7 +2726,7 @@
     </p:spTree>
     <p:extLst>
       <p:ext uri="{BB962C8B-B14F-4D97-AF65-F5344CB8AC3E}">
-        <p14:creationId xmlns:p14="http://schemas.microsoft.com/office/powerpoint/2010/main" val="2200939280"/>
+        <p14:creationId xmlns:p14="http://schemas.microsoft.com/office/powerpoint/2010/main" val="620076556"/>
       </p:ext>
     </p:extLst>
   </p:cSld>
@@ -2763,7 +2763,7 @@
           <p:cNvPr id="2" name="标题占位符 1">
             <a:extLst>
               <a:ext uri="{FF2B5EF4-FFF2-40B4-BE49-F238E27FC236}">
-                <a16:creationId xmlns:a16="http://schemas.microsoft.com/office/drawing/2014/main" id="{87974DB8-853C-6926-B246-765A65573D50}"/>
+                <a16:creationId xmlns:a16="http://schemas.microsoft.com/office/drawing/2014/main" id="{8A3755AE-3D0A-4808-F6E6-AF1AAF571A29}"/>
               </a:ext>
             </a:extLst>
           </p:cNvPr>
@@ -2801,7 +2801,7 @@
           <p:cNvPr id="3" name="文本占位符 2">
             <a:extLst>
               <a:ext uri="{FF2B5EF4-FFF2-40B4-BE49-F238E27FC236}">
-                <a16:creationId xmlns:a16="http://schemas.microsoft.com/office/drawing/2014/main" id="{B2310255-009A-D73E-DC56-6EF4E9F7B8EC}"/>
+                <a16:creationId xmlns:a16="http://schemas.microsoft.com/office/drawing/2014/main" id="{0D26F8B9-325C-7695-9CE3-AED67B22E56F}"/>
               </a:ext>
             </a:extLst>
           </p:cNvPr>
@@ -2868,7 +2868,7 @@
           <p:cNvPr id="4" name="日期占位符 3">
             <a:extLst>
               <a:ext uri="{FF2B5EF4-FFF2-40B4-BE49-F238E27FC236}">
-                <a16:creationId xmlns:a16="http://schemas.microsoft.com/office/drawing/2014/main" id="{02374E56-DD6A-C0AC-F093-01161673A852}"/>
+                <a16:creationId xmlns:a16="http://schemas.microsoft.com/office/drawing/2014/main" id="{0C1DB497-AD9D-AF0E-00D0-9A61AD8865A6}"/>
               </a:ext>
             </a:extLst>
           </p:cNvPr>
@@ -2902,7 +2902,7 @@
             </a:lvl1pPr>
           </a:lstStyle>
           <a:p>
-            <a:fld id="{E5625592-89BB-45F9-A353-19B7481D4320}" type="datetimeFigureOut">
+            <a:fld id="{A30D8157-CBE8-4140-8EDB-17D187974B4F}" type="datetimeFigureOut">
               <a:rPr lang="zh-CN" altLang="en-US" smtClean="0"/>
               <a:t>2024/3/10</a:t>
             </a:fld>
@@ -2915,7 +2915,7 @@
           <p:cNvPr id="5" name="页脚占位符 4">
             <a:extLst>
               <a:ext uri="{FF2B5EF4-FFF2-40B4-BE49-F238E27FC236}">
-                <a16:creationId xmlns:a16="http://schemas.microsoft.com/office/drawing/2014/main" id="{8A132639-BC91-1A38-6DC3-EFB5F2DD9BD9}"/>
+                <a16:creationId xmlns:a16="http://schemas.microsoft.com/office/drawing/2014/main" id="{A09F29C2-7A8D-7215-488A-4DE01816D1CE}"/>
               </a:ext>
             </a:extLst>
           </p:cNvPr>
@@ -2958,7 +2958,7 @@
           <p:cNvPr id="6" name="灯片编号占位符 5">
             <a:extLst>
               <a:ext uri="{FF2B5EF4-FFF2-40B4-BE49-F238E27FC236}">
-                <a16:creationId xmlns:a16="http://schemas.microsoft.com/office/drawing/2014/main" id="{0EFBC9F8-14B6-E128-8F2F-40DA63E292AB}"/>
+                <a16:creationId xmlns:a16="http://schemas.microsoft.com/office/drawing/2014/main" id="{B8511FC2-14D5-88CC-92BC-54CBD8AB5F31}"/>
               </a:ext>
             </a:extLst>
           </p:cNvPr>
@@ -2992,7 +2992,7 @@
             </a:lvl1pPr>
           </a:lstStyle>
           <a:p>
-            <a:fld id="{881202FE-6186-4D4D-B8CA-C936978719C4}" type="slidenum">
+            <a:fld id="{0BB61656-8BB2-4934-972A-DD1195AE2C67}" type="slidenum">
               <a:rPr lang="zh-CN" altLang="en-US" smtClean="0"/>
               <a:t>‹#›</a:t>
             </a:fld>
@@ -3003,7 +3003,7 @@
     </p:spTree>
     <p:extLst>
       <p:ext uri="{BB962C8B-B14F-4D97-AF65-F5344CB8AC3E}">
-        <p14:creationId xmlns:p14="http://schemas.microsoft.com/office/powerpoint/2010/main" val="3226911394"/>
+        <p14:creationId xmlns:p14="http://schemas.microsoft.com/office/powerpoint/2010/main" val="1730624783"/>
       </p:ext>
     </p:extLst>
   </p:cSld>
